--- a/img/birthday.pptx
+++ b/img/birthday.pptx
@@ -151,7 +151,7 @@
       </p14:sectionLst>
     </p:ext>
     <p:ext uri="{EFAFB233-063F-42B5-8137-9DF3F51BA10A}">
-      <p15:sldGuideLst xmlns:p15="http://schemas.microsoft.com/office/powerpoint/2012/main" xmlns="">
+      <p15:sldGuideLst xmlns="" xmlns:p15="http://schemas.microsoft.com/office/powerpoint/2012/main">
         <p15:guide id="1" orient="horz" pos="2160">
           <p15:clr>
             <a:srgbClr val="A4A3A4"/>
@@ -165,7 +165,7 @@
       </p15:sldGuideLst>
     </p:ext>
     <p:ext uri="{2D200454-40CA-4A62-9FC3-DE9A4176ACB9}">
-      <p15:notesGuideLst xmlns:p15="http://schemas.microsoft.com/office/powerpoint/2012/main" xmlns="">
+      <p15:notesGuideLst xmlns="" xmlns:p15="http://schemas.microsoft.com/office/powerpoint/2012/main">
         <p15:guide id="1" orient="horz" pos="3223">
           <p15:clr>
             <a:srgbClr val="A4A3A4"/>
@@ -1951,6 +1951,95 @@
       </p:grpSpPr>
       <p:sp>
         <p:nvSpPr>
+          <p:cNvPr id="78" name="円/楕円 77"/>
+          <p:cNvSpPr/>
+          <p:nvPr/>
+        </p:nvSpPr>
+        <p:spPr>
+          <a:xfrm>
+            <a:off x="440038" y="909836"/>
+            <a:ext cx="656808" cy="654904"/>
+          </a:xfrm>
+          <a:prstGeom prst="ellipse">
+            <a:avLst/>
+          </a:prstGeom>
+          <a:noFill/>
+          <a:ln w="3175">
+            <a:solidFill>
+              <a:srgbClr val="000000"/>
+            </a:solidFill>
+            <a:prstDash val="sysDash"/>
+          </a:ln>
+        </p:spPr>
+        <p:style>
+          <a:lnRef idx="2">
+            <a:schemeClr val="accent1">
+              <a:shade val="50000"/>
+            </a:schemeClr>
+          </a:lnRef>
+          <a:fillRef idx="1">
+            <a:schemeClr val="accent1"/>
+          </a:fillRef>
+          <a:effectRef idx="0">
+            <a:schemeClr val="accent1"/>
+          </a:effectRef>
+          <a:fontRef idx="minor">
+            <a:schemeClr val="lt1"/>
+          </a:fontRef>
+        </p:style>
+        <p:txBody>
+          <a:bodyPr rtlCol="0" anchor="ctr"/>
+          <a:lstStyle/>
+          <a:p>
+            <a:pPr algn="ctr"/>
+            <a:endParaRPr kumimoji="1" lang="ja-JP" altLang="en-US" sz="1200"/>
+          </a:p>
+        </p:txBody>
+      </p:sp>
+      <p:sp>
+        <p:nvSpPr>
+          <p:cNvPr id="69" name="テキスト ボックス 68"/>
+          <p:cNvSpPr txBox="1"/>
+          <p:nvPr/>
+        </p:nvSpPr>
+        <p:spPr>
+          <a:xfrm>
+            <a:off x="623904" y="1341884"/>
+            <a:ext cx="391600" cy="228183"/>
+          </a:xfrm>
+          <a:prstGeom prst="rect">
+            <a:avLst/>
+          </a:prstGeom>
+          <a:noFill/>
+          <a:ln w="19050" cap="rnd">
+            <a:noFill/>
+            <a:prstDash val="sysDash"/>
+          </a:ln>
+        </p:spPr>
+        <p:txBody>
+          <a:bodyPr wrap="none" lIns="43094" tIns="21548" rIns="43094" bIns="21548" rtlCol="0">
+            <a:spAutoFit/>
+          </a:bodyPr>
+          <a:lstStyle/>
+          <a:p>
+            <a:r>
+              <a:rPr lang="en-US" altLang="ja-JP" sz="1200" smtClean="0">
+                <a:latin typeface="HG丸ｺﾞｼｯｸM-PRO" panose="020F0600000000000000" pitchFamily="50" charset="-128"/>
+                <a:ea typeface="HG丸ｺﾞｼｯｸM-PRO" panose="020F0600000000000000" pitchFamily="50" charset="-128"/>
+                <a:cs typeface="Arial Unicode MS" panose="020B0604020202020204" pitchFamily="50" charset="-128"/>
+              </a:rPr>
+              <a:t>1/2</a:t>
+            </a:r>
+            <a:endParaRPr lang="ja-JP" altLang="en-US" sz="1200">
+              <a:latin typeface="HG丸ｺﾞｼｯｸM-PRO" panose="020F0600000000000000" pitchFamily="50" charset="-128"/>
+              <a:ea typeface="HG丸ｺﾞｼｯｸM-PRO" panose="020F0600000000000000" pitchFamily="50" charset="-128"/>
+              <a:cs typeface="Courier New" pitchFamily="49" charset="0"/>
+            </a:endParaRPr>
+          </a:p>
+        </p:txBody>
+      </p:sp>
+      <p:sp>
+        <p:nvSpPr>
           <p:cNvPr id="41" name="テキスト ボックス 40"/>
           <p:cNvSpPr txBox="1"/>
           <p:nvPr/>
@@ -2039,180 +2128,6 @@
       </p:sp>
       <p:grpSp>
         <p:nvGrpSpPr>
-          <p:cNvPr id="33" name="グループ化 32"/>
-          <p:cNvGrpSpPr/>
-          <p:nvPr/>
-        </p:nvGrpSpPr>
-        <p:grpSpPr>
-          <a:xfrm>
-            <a:off x="1839839" y="2121813"/>
-            <a:ext cx="133235" cy="318765"/>
-            <a:chOff x="680282" y="1725379"/>
-            <a:chExt cx="133235" cy="318765"/>
-          </a:xfrm>
-          <a:solidFill>
-            <a:srgbClr val="FFCCCC"/>
-          </a:solidFill>
-        </p:grpSpPr>
-        <p:sp>
-          <p:nvSpPr>
-            <p:cNvPr id="27" name="円/楕円 26"/>
-            <p:cNvSpPr/>
-            <p:nvPr/>
-          </p:nvSpPr>
-          <p:spPr>
-            <a:xfrm>
-              <a:off x="680282" y="1725379"/>
-              <a:ext cx="133235" cy="144015"/>
-            </a:xfrm>
-            <a:prstGeom prst="ellipse">
-              <a:avLst/>
-            </a:prstGeom>
-            <a:grpFill/>
-            <a:ln w="3175">
-              <a:solidFill>
-                <a:srgbClr val="000000"/>
-              </a:solidFill>
-            </a:ln>
-          </p:spPr>
-          <p:style>
-            <a:lnRef idx="2">
-              <a:schemeClr val="accent1">
-                <a:shade val="50000"/>
-              </a:schemeClr>
-            </a:lnRef>
-            <a:fillRef idx="1">
-              <a:schemeClr val="accent1"/>
-            </a:fillRef>
-            <a:effectRef idx="0">
-              <a:schemeClr val="accent1"/>
-            </a:effectRef>
-            <a:fontRef idx="minor">
-              <a:schemeClr val="lt1"/>
-            </a:fontRef>
-          </p:style>
-          <p:txBody>
-            <a:bodyPr rtlCol="0" anchor="ctr"/>
-            <a:lstStyle/>
-            <a:p>
-              <a:pPr algn="ctr"/>
-              <a:endParaRPr kumimoji="1" lang="ja-JP" altLang="en-US" sz="1200"/>
-            </a:p>
-          </p:txBody>
-        </p:sp>
-        <p:cxnSp>
-          <p:nvCxnSpPr>
-            <p:cNvPr id="4" name="直線コネクタ 3"/>
-            <p:cNvCxnSpPr/>
-            <p:nvPr/>
-          </p:nvCxnSpPr>
-          <p:spPr>
-            <a:xfrm flipH="1">
-              <a:off x="698418" y="1869394"/>
-              <a:ext cx="48482" cy="174750"/>
-            </a:xfrm>
-            <a:prstGeom prst="line">
-              <a:avLst/>
-            </a:prstGeom>
-            <a:grpFill/>
-            <a:ln w="3175">
-              <a:solidFill>
-                <a:srgbClr val="000000"/>
-              </a:solidFill>
-            </a:ln>
-          </p:spPr>
-          <p:style>
-            <a:lnRef idx="1">
-              <a:schemeClr val="accent1"/>
-            </a:lnRef>
-            <a:fillRef idx="0">
-              <a:schemeClr val="accent1"/>
-            </a:fillRef>
-            <a:effectRef idx="0">
-              <a:schemeClr val="accent1"/>
-            </a:effectRef>
-            <a:fontRef idx="minor">
-              <a:schemeClr val="tx1"/>
-            </a:fontRef>
-          </p:style>
-        </p:cxnSp>
-        <p:cxnSp>
-          <p:nvCxnSpPr>
-            <p:cNvPr id="28" name="直線コネクタ 27"/>
-            <p:cNvCxnSpPr/>
-            <p:nvPr/>
-          </p:nvCxnSpPr>
-          <p:spPr>
-            <a:xfrm flipH="1">
-              <a:off x="698419" y="2043753"/>
-              <a:ext cx="111611" cy="391"/>
-            </a:xfrm>
-            <a:prstGeom prst="line">
-              <a:avLst/>
-            </a:prstGeom>
-            <a:grpFill/>
-            <a:ln w="3175">
-              <a:solidFill>
-                <a:srgbClr val="000000"/>
-              </a:solidFill>
-            </a:ln>
-          </p:spPr>
-          <p:style>
-            <a:lnRef idx="1">
-              <a:schemeClr val="accent1"/>
-            </a:lnRef>
-            <a:fillRef idx="0">
-              <a:schemeClr val="accent1"/>
-            </a:fillRef>
-            <a:effectRef idx="0">
-              <a:schemeClr val="accent1"/>
-            </a:effectRef>
-            <a:fontRef idx="minor">
-              <a:schemeClr val="tx1"/>
-            </a:fontRef>
-          </p:style>
-        </p:cxnSp>
-        <p:cxnSp>
-          <p:nvCxnSpPr>
-            <p:cNvPr id="29" name="直線コネクタ 28"/>
-            <p:cNvCxnSpPr>
-              <a:stCxn id="27" idx="4"/>
-            </p:cNvCxnSpPr>
-            <p:nvPr/>
-          </p:nvCxnSpPr>
-          <p:spPr>
-            <a:xfrm>
-              <a:off x="746900" y="1869394"/>
-              <a:ext cx="63130" cy="174359"/>
-            </a:xfrm>
-            <a:prstGeom prst="line">
-              <a:avLst/>
-            </a:prstGeom>
-            <a:grpFill/>
-            <a:ln w="3175">
-              <a:solidFill>
-                <a:srgbClr val="000000"/>
-              </a:solidFill>
-            </a:ln>
-          </p:spPr>
-          <p:style>
-            <a:lnRef idx="1">
-              <a:schemeClr val="accent1"/>
-            </a:lnRef>
-            <a:fillRef idx="0">
-              <a:schemeClr val="accent1"/>
-            </a:fillRef>
-            <a:effectRef idx="0">
-              <a:schemeClr val="accent1"/>
-            </a:effectRef>
-            <a:fontRef idx="minor">
-              <a:schemeClr val="tx1"/>
-            </a:fontRef>
-          </p:style>
-        </p:cxnSp>
-      </p:grpSp>
-      <p:grpSp>
-        <p:nvGrpSpPr>
           <p:cNvPr id="38" name="グループ化 37"/>
           <p:cNvGrpSpPr/>
           <p:nvPr/>
@@ -2717,7 +2632,7 @@
       </p:grpSp>
       <p:grpSp>
         <p:nvGrpSpPr>
-          <p:cNvPr id="56" name="グループ化 55"/>
+          <p:cNvPr id="3" name="グループ化 2"/>
           <p:cNvGrpSpPr/>
           <p:nvPr/>
         </p:nvGrpSpPr>
@@ -2725,12 +2640,9 @@
           <a:xfrm>
             <a:off x="701824" y="1053852"/>
             <a:ext cx="133235" cy="318765"/>
-            <a:chOff x="680282" y="1725379"/>
+            <a:chOff x="701824" y="1053852"/>
             <a:chExt cx="133235" cy="318765"/>
           </a:xfrm>
-          <a:solidFill>
-            <a:srgbClr val="FFCCCC"/>
-          </a:solidFill>
         </p:grpSpPr>
         <p:sp>
           <p:nvSpPr>
@@ -2740,13 +2652,17 @@
           </p:nvSpPr>
           <p:spPr>
             <a:xfrm>
-              <a:off x="680282" y="1725379"/>
+              <a:off x="701824" y="1053852"/>
               <a:ext cx="133235" cy="144015"/>
             </a:xfrm>
             <a:prstGeom prst="ellipse">
               <a:avLst/>
             </a:prstGeom>
-            <a:grpFill/>
+            <a:solidFill>
+              <a:schemeClr val="tx1">
+                <a:alpha val="34000"/>
+              </a:schemeClr>
+            </a:solidFill>
             <a:ln w="3175">
               <a:solidFill>
                 <a:srgbClr val="000000"/>
@@ -2786,13 +2702,15 @@
           </p:nvCxnSpPr>
           <p:spPr>
             <a:xfrm flipH="1">
-              <a:off x="698418" y="1869394"/>
+              <a:off x="719960" y="1197867"/>
               <a:ext cx="48482" cy="174750"/>
             </a:xfrm>
             <a:prstGeom prst="line">
               <a:avLst/>
             </a:prstGeom>
-            <a:grpFill/>
+            <a:solidFill>
+              <a:srgbClr val="FFCCCC"/>
+            </a:solidFill>
             <a:ln w="3175">
               <a:solidFill>
                 <a:srgbClr val="000000"/>
@@ -2822,13 +2740,15 @@
           </p:nvCxnSpPr>
           <p:spPr>
             <a:xfrm flipH="1">
-              <a:off x="698419" y="2043753"/>
+              <a:off x="719961" y="1372226"/>
               <a:ext cx="111611" cy="391"/>
             </a:xfrm>
             <a:prstGeom prst="line">
               <a:avLst/>
             </a:prstGeom>
-            <a:grpFill/>
+            <a:solidFill>
+              <a:srgbClr val="FFCCCC"/>
+            </a:solidFill>
             <a:ln w="3175">
               <a:solidFill>
                 <a:srgbClr val="000000"/>
@@ -2860,13 +2780,15 @@
           </p:nvCxnSpPr>
           <p:spPr>
             <a:xfrm>
-              <a:off x="746900" y="1869394"/>
+              <a:off x="768442" y="1197867"/>
               <a:ext cx="63130" cy="174359"/>
             </a:xfrm>
             <a:prstGeom prst="line">
               <a:avLst/>
             </a:prstGeom>
-            <a:grpFill/>
+            <a:solidFill>
+              <a:srgbClr val="FFCCCC"/>
+            </a:solidFill>
             <a:ln w="3175">
               <a:solidFill>
                 <a:srgbClr val="000000"/>
@@ -3183,48 +3105,6 @@
           </a:p>
         </p:txBody>
       </p:sp>
-      <p:sp>
-        <p:nvSpPr>
-          <p:cNvPr id="69" name="テキスト ボックス 68"/>
-          <p:cNvSpPr txBox="1"/>
-          <p:nvPr/>
-        </p:nvSpPr>
-        <p:spPr>
-          <a:xfrm>
-            <a:off x="623904" y="1341884"/>
-            <a:ext cx="391600" cy="228183"/>
-          </a:xfrm>
-          <a:prstGeom prst="rect">
-            <a:avLst/>
-          </a:prstGeom>
-          <a:noFill/>
-          <a:ln w="19050" cap="rnd">
-            <a:noFill/>
-            <a:prstDash val="sysDash"/>
-          </a:ln>
-        </p:spPr>
-        <p:txBody>
-          <a:bodyPr wrap="none" lIns="43094" tIns="21548" rIns="43094" bIns="21548" rtlCol="0">
-            <a:spAutoFit/>
-          </a:bodyPr>
-          <a:lstStyle/>
-          <a:p>
-            <a:r>
-              <a:rPr lang="en-US" altLang="ja-JP" sz="1200" smtClean="0">
-                <a:latin typeface="HG丸ｺﾞｼｯｸM-PRO" panose="020F0600000000000000" pitchFamily="50" charset="-128"/>
-                <a:ea typeface="HG丸ｺﾞｼｯｸM-PRO" panose="020F0600000000000000" pitchFamily="50" charset="-128"/>
-                <a:cs typeface="Arial Unicode MS" panose="020B0604020202020204" pitchFamily="50" charset="-128"/>
-              </a:rPr>
-              <a:t>1/2</a:t>
-            </a:r>
-            <a:endParaRPr lang="ja-JP" altLang="en-US" sz="1200">
-              <a:latin typeface="HG丸ｺﾞｼｯｸM-PRO" panose="020F0600000000000000" pitchFamily="50" charset="-128"/>
-              <a:ea typeface="HG丸ｺﾞｼｯｸM-PRO" panose="020F0600000000000000" pitchFamily="50" charset="-128"/>
-              <a:cs typeface="Courier New" pitchFamily="49" charset="0"/>
-            </a:endParaRPr>
-          </a:p>
-        </p:txBody>
-      </p:sp>
       <p:grpSp>
         <p:nvGrpSpPr>
           <p:cNvPr id="70" name="グループ化 69"/>
@@ -3474,53 +3354,6 @@
               <a:ea typeface="HG丸ｺﾞｼｯｸM-PRO" panose="020F0600000000000000" pitchFamily="50" charset="-128"/>
               <a:cs typeface="Courier New" pitchFamily="49" charset="0"/>
             </a:endParaRPr>
-          </a:p>
-        </p:txBody>
-      </p:sp>
-      <p:sp>
-        <p:nvSpPr>
-          <p:cNvPr id="78" name="円/楕円 77"/>
-          <p:cNvSpPr/>
-          <p:nvPr/>
-        </p:nvSpPr>
-        <p:spPr>
-          <a:xfrm>
-            <a:off x="440038" y="909836"/>
-            <a:ext cx="656808" cy="654904"/>
-          </a:xfrm>
-          <a:prstGeom prst="ellipse">
-            <a:avLst/>
-          </a:prstGeom>
-          <a:noFill/>
-          <a:ln w="3175">
-            <a:solidFill>
-              <a:srgbClr val="000000"/>
-            </a:solidFill>
-            <a:prstDash val="sysDash"/>
-          </a:ln>
-        </p:spPr>
-        <p:style>
-          <a:lnRef idx="2">
-            <a:schemeClr val="accent1">
-              <a:shade val="50000"/>
-            </a:schemeClr>
-          </a:lnRef>
-          <a:fillRef idx="1">
-            <a:schemeClr val="accent1"/>
-          </a:fillRef>
-          <a:effectRef idx="0">
-            <a:schemeClr val="accent1"/>
-          </a:effectRef>
-          <a:fontRef idx="minor">
-            <a:schemeClr val="lt1"/>
-          </a:fontRef>
-        </p:style>
-        <p:txBody>
-          <a:bodyPr rtlCol="0" anchor="ctr"/>
-          <a:lstStyle/>
-          <a:p>
-            <a:pPr algn="ctr"/>
-            <a:endParaRPr kumimoji="1" lang="ja-JP" altLang="en-US" sz="1200"/>
           </a:p>
         </p:txBody>
       </p:sp>
@@ -3802,180 +3635,6 @@
       </p:grpSp>
       <p:grpSp>
         <p:nvGrpSpPr>
-          <p:cNvPr id="87" name="グループ化 86"/>
-          <p:cNvGrpSpPr/>
-          <p:nvPr/>
-        </p:nvGrpSpPr>
-        <p:grpSpPr>
-          <a:xfrm>
-            <a:off x="2754014" y="1468483"/>
-            <a:ext cx="133235" cy="318765"/>
-            <a:chOff x="680282" y="1725379"/>
-            <a:chExt cx="133235" cy="318765"/>
-          </a:xfrm>
-          <a:solidFill>
-            <a:srgbClr val="FFCCCC"/>
-          </a:solidFill>
-        </p:grpSpPr>
-        <p:sp>
-          <p:nvSpPr>
-            <p:cNvPr id="88" name="円/楕円 87"/>
-            <p:cNvSpPr/>
-            <p:nvPr/>
-          </p:nvSpPr>
-          <p:spPr>
-            <a:xfrm>
-              <a:off x="680282" y="1725379"/>
-              <a:ext cx="133235" cy="144015"/>
-            </a:xfrm>
-            <a:prstGeom prst="ellipse">
-              <a:avLst/>
-            </a:prstGeom>
-            <a:grpFill/>
-            <a:ln w="3175">
-              <a:solidFill>
-                <a:srgbClr val="000000"/>
-              </a:solidFill>
-            </a:ln>
-          </p:spPr>
-          <p:style>
-            <a:lnRef idx="2">
-              <a:schemeClr val="accent1">
-                <a:shade val="50000"/>
-              </a:schemeClr>
-            </a:lnRef>
-            <a:fillRef idx="1">
-              <a:schemeClr val="accent1"/>
-            </a:fillRef>
-            <a:effectRef idx="0">
-              <a:schemeClr val="accent1"/>
-            </a:effectRef>
-            <a:fontRef idx="minor">
-              <a:schemeClr val="lt1"/>
-            </a:fontRef>
-          </p:style>
-          <p:txBody>
-            <a:bodyPr rtlCol="0" anchor="ctr"/>
-            <a:lstStyle/>
-            <a:p>
-              <a:pPr algn="ctr"/>
-              <a:endParaRPr kumimoji="1" lang="ja-JP" altLang="en-US" sz="1200"/>
-            </a:p>
-          </p:txBody>
-        </p:sp>
-        <p:cxnSp>
-          <p:nvCxnSpPr>
-            <p:cNvPr id="89" name="直線コネクタ 88"/>
-            <p:cNvCxnSpPr/>
-            <p:nvPr/>
-          </p:nvCxnSpPr>
-          <p:spPr>
-            <a:xfrm flipH="1">
-              <a:off x="698418" y="1869394"/>
-              <a:ext cx="48482" cy="174750"/>
-            </a:xfrm>
-            <a:prstGeom prst="line">
-              <a:avLst/>
-            </a:prstGeom>
-            <a:grpFill/>
-            <a:ln w="3175">
-              <a:solidFill>
-                <a:srgbClr val="000000"/>
-              </a:solidFill>
-            </a:ln>
-          </p:spPr>
-          <p:style>
-            <a:lnRef idx="1">
-              <a:schemeClr val="accent1"/>
-            </a:lnRef>
-            <a:fillRef idx="0">
-              <a:schemeClr val="accent1"/>
-            </a:fillRef>
-            <a:effectRef idx="0">
-              <a:schemeClr val="accent1"/>
-            </a:effectRef>
-            <a:fontRef idx="minor">
-              <a:schemeClr val="tx1"/>
-            </a:fontRef>
-          </p:style>
-        </p:cxnSp>
-        <p:cxnSp>
-          <p:nvCxnSpPr>
-            <p:cNvPr id="90" name="直線コネクタ 89"/>
-            <p:cNvCxnSpPr/>
-            <p:nvPr/>
-          </p:nvCxnSpPr>
-          <p:spPr>
-            <a:xfrm flipH="1">
-              <a:off x="698419" y="2043753"/>
-              <a:ext cx="111611" cy="391"/>
-            </a:xfrm>
-            <a:prstGeom prst="line">
-              <a:avLst/>
-            </a:prstGeom>
-            <a:grpFill/>
-            <a:ln w="3175">
-              <a:solidFill>
-                <a:srgbClr val="000000"/>
-              </a:solidFill>
-            </a:ln>
-          </p:spPr>
-          <p:style>
-            <a:lnRef idx="1">
-              <a:schemeClr val="accent1"/>
-            </a:lnRef>
-            <a:fillRef idx="0">
-              <a:schemeClr val="accent1"/>
-            </a:fillRef>
-            <a:effectRef idx="0">
-              <a:schemeClr val="accent1"/>
-            </a:effectRef>
-            <a:fontRef idx="minor">
-              <a:schemeClr val="tx1"/>
-            </a:fontRef>
-          </p:style>
-        </p:cxnSp>
-        <p:cxnSp>
-          <p:nvCxnSpPr>
-            <p:cNvPr id="91" name="直線コネクタ 90"/>
-            <p:cNvCxnSpPr>
-              <a:stCxn id="88" idx="4"/>
-            </p:cNvCxnSpPr>
-            <p:nvPr/>
-          </p:nvCxnSpPr>
-          <p:spPr>
-            <a:xfrm>
-              <a:off x="746900" y="1869394"/>
-              <a:ext cx="63130" cy="174359"/>
-            </a:xfrm>
-            <a:prstGeom prst="line">
-              <a:avLst/>
-            </a:prstGeom>
-            <a:grpFill/>
-            <a:ln w="3175">
-              <a:solidFill>
-                <a:srgbClr val="000000"/>
-              </a:solidFill>
-            </a:ln>
-          </p:spPr>
-          <p:style>
-            <a:lnRef idx="1">
-              <a:schemeClr val="accent1"/>
-            </a:lnRef>
-            <a:fillRef idx="0">
-              <a:schemeClr val="accent1"/>
-            </a:fillRef>
-            <a:effectRef idx="0">
-              <a:schemeClr val="accent1"/>
-            </a:effectRef>
-            <a:fontRef idx="minor">
-              <a:schemeClr val="tx1"/>
-            </a:fontRef>
-          </p:style>
-        </p:cxnSp>
-      </p:grpSp>
-      <p:grpSp>
-        <p:nvGrpSpPr>
           <p:cNvPr id="92" name="グループ化 91"/>
           <p:cNvGrpSpPr/>
           <p:nvPr/>
@@ -4448,180 +4107,6 @@
             <p:cNvPr id="106" name="直線コネクタ 105"/>
             <p:cNvCxnSpPr>
               <a:stCxn id="103" idx="4"/>
-            </p:cNvCxnSpPr>
-            <p:nvPr/>
-          </p:nvCxnSpPr>
-          <p:spPr>
-            <a:xfrm>
-              <a:off x="746900" y="1869394"/>
-              <a:ext cx="63130" cy="174359"/>
-            </a:xfrm>
-            <a:prstGeom prst="line">
-              <a:avLst/>
-            </a:prstGeom>
-            <a:grpFill/>
-            <a:ln w="3175">
-              <a:solidFill>
-                <a:srgbClr val="000000"/>
-              </a:solidFill>
-            </a:ln>
-          </p:spPr>
-          <p:style>
-            <a:lnRef idx="1">
-              <a:schemeClr val="accent1"/>
-            </a:lnRef>
-            <a:fillRef idx="0">
-              <a:schemeClr val="accent1"/>
-            </a:fillRef>
-            <a:effectRef idx="0">
-              <a:schemeClr val="accent1"/>
-            </a:effectRef>
-            <a:fontRef idx="minor">
-              <a:schemeClr val="tx1"/>
-            </a:fontRef>
-          </p:style>
-        </p:cxnSp>
-      </p:grpSp>
-      <p:grpSp>
-        <p:nvGrpSpPr>
-          <p:cNvPr id="107" name="グループ化 106"/>
-          <p:cNvGrpSpPr/>
-          <p:nvPr/>
-        </p:nvGrpSpPr>
-        <p:grpSpPr>
-          <a:xfrm>
-            <a:off x="3781571" y="1269876"/>
-            <a:ext cx="133235" cy="318765"/>
-            <a:chOff x="680282" y="1725379"/>
-            <a:chExt cx="133235" cy="318765"/>
-          </a:xfrm>
-          <a:solidFill>
-            <a:srgbClr val="FFCCCC"/>
-          </a:solidFill>
-        </p:grpSpPr>
-        <p:sp>
-          <p:nvSpPr>
-            <p:cNvPr id="108" name="円/楕円 107"/>
-            <p:cNvSpPr/>
-            <p:nvPr/>
-          </p:nvSpPr>
-          <p:spPr>
-            <a:xfrm>
-              <a:off x="680282" y="1725379"/>
-              <a:ext cx="133235" cy="144015"/>
-            </a:xfrm>
-            <a:prstGeom prst="ellipse">
-              <a:avLst/>
-            </a:prstGeom>
-            <a:grpFill/>
-            <a:ln w="3175">
-              <a:solidFill>
-                <a:srgbClr val="000000"/>
-              </a:solidFill>
-            </a:ln>
-          </p:spPr>
-          <p:style>
-            <a:lnRef idx="2">
-              <a:schemeClr val="accent1">
-                <a:shade val="50000"/>
-              </a:schemeClr>
-            </a:lnRef>
-            <a:fillRef idx="1">
-              <a:schemeClr val="accent1"/>
-            </a:fillRef>
-            <a:effectRef idx="0">
-              <a:schemeClr val="accent1"/>
-            </a:effectRef>
-            <a:fontRef idx="minor">
-              <a:schemeClr val="lt1"/>
-            </a:fontRef>
-          </p:style>
-          <p:txBody>
-            <a:bodyPr rtlCol="0" anchor="ctr"/>
-            <a:lstStyle/>
-            <a:p>
-              <a:pPr algn="ctr"/>
-              <a:endParaRPr kumimoji="1" lang="ja-JP" altLang="en-US" sz="1200"/>
-            </a:p>
-          </p:txBody>
-        </p:sp>
-        <p:cxnSp>
-          <p:nvCxnSpPr>
-            <p:cNvPr id="109" name="直線コネクタ 108"/>
-            <p:cNvCxnSpPr/>
-            <p:nvPr/>
-          </p:nvCxnSpPr>
-          <p:spPr>
-            <a:xfrm flipH="1">
-              <a:off x="698418" y="1869394"/>
-              <a:ext cx="48482" cy="174750"/>
-            </a:xfrm>
-            <a:prstGeom prst="line">
-              <a:avLst/>
-            </a:prstGeom>
-            <a:grpFill/>
-            <a:ln w="3175">
-              <a:solidFill>
-                <a:srgbClr val="000000"/>
-              </a:solidFill>
-            </a:ln>
-          </p:spPr>
-          <p:style>
-            <a:lnRef idx="1">
-              <a:schemeClr val="accent1"/>
-            </a:lnRef>
-            <a:fillRef idx="0">
-              <a:schemeClr val="accent1"/>
-            </a:fillRef>
-            <a:effectRef idx="0">
-              <a:schemeClr val="accent1"/>
-            </a:effectRef>
-            <a:fontRef idx="minor">
-              <a:schemeClr val="tx1"/>
-            </a:fontRef>
-          </p:style>
-        </p:cxnSp>
-        <p:cxnSp>
-          <p:nvCxnSpPr>
-            <p:cNvPr id="110" name="直線コネクタ 109"/>
-            <p:cNvCxnSpPr/>
-            <p:nvPr/>
-          </p:nvCxnSpPr>
-          <p:spPr>
-            <a:xfrm flipH="1">
-              <a:off x="698419" y="2043753"/>
-              <a:ext cx="111611" cy="391"/>
-            </a:xfrm>
-            <a:prstGeom prst="line">
-              <a:avLst/>
-            </a:prstGeom>
-            <a:grpFill/>
-            <a:ln w="3175">
-              <a:solidFill>
-                <a:srgbClr val="000000"/>
-              </a:solidFill>
-            </a:ln>
-          </p:spPr>
-          <p:style>
-            <a:lnRef idx="1">
-              <a:schemeClr val="accent1"/>
-            </a:lnRef>
-            <a:fillRef idx="0">
-              <a:schemeClr val="accent1"/>
-            </a:fillRef>
-            <a:effectRef idx="0">
-              <a:schemeClr val="accent1"/>
-            </a:effectRef>
-            <a:fontRef idx="minor">
-              <a:schemeClr val="tx1"/>
-            </a:fontRef>
-          </p:style>
-        </p:cxnSp>
-        <p:cxnSp>
-          <p:nvCxnSpPr>
-            <p:cNvPr id="111" name="直線コネクタ 110"/>
-            <p:cNvCxnSpPr>
-              <a:stCxn id="108" idx="4"/>
             </p:cNvCxnSpPr>
             <p:nvPr/>
           </p:nvCxnSpPr>
@@ -5277,6 +4762,549 @@
           </a:p>
         </p:txBody>
       </p:sp>
+      <p:grpSp>
+        <p:nvGrpSpPr>
+          <p:cNvPr id="140" name="グループ化 139"/>
+          <p:cNvGrpSpPr/>
+          <p:nvPr/>
+        </p:nvGrpSpPr>
+        <p:grpSpPr>
+          <a:xfrm>
+            <a:off x="1853952" y="2103239"/>
+            <a:ext cx="133235" cy="318765"/>
+            <a:chOff x="701824" y="1053852"/>
+            <a:chExt cx="133235" cy="318765"/>
+          </a:xfrm>
+        </p:grpSpPr>
+        <p:sp>
+          <p:nvSpPr>
+            <p:cNvPr id="141" name="円/楕円 140"/>
+            <p:cNvSpPr/>
+            <p:nvPr/>
+          </p:nvSpPr>
+          <p:spPr>
+            <a:xfrm>
+              <a:off x="701824" y="1053852"/>
+              <a:ext cx="133235" cy="144015"/>
+            </a:xfrm>
+            <a:prstGeom prst="ellipse">
+              <a:avLst/>
+            </a:prstGeom>
+            <a:solidFill>
+              <a:schemeClr val="tx1">
+                <a:alpha val="34000"/>
+              </a:schemeClr>
+            </a:solidFill>
+            <a:ln w="3175">
+              <a:solidFill>
+                <a:srgbClr val="000000"/>
+              </a:solidFill>
+            </a:ln>
+          </p:spPr>
+          <p:style>
+            <a:lnRef idx="2">
+              <a:schemeClr val="accent1">
+                <a:shade val="50000"/>
+              </a:schemeClr>
+            </a:lnRef>
+            <a:fillRef idx="1">
+              <a:schemeClr val="accent1"/>
+            </a:fillRef>
+            <a:effectRef idx="0">
+              <a:schemeClr val="accent1"/>
+            </a:effectRef>
+            <a:fontRef idx="minor">
+              <a:schemeClr val="lt1"/>
+            </a:fontRef>
+          </p:style>
+          <p:txBody>
+            <a:bodyPr rtlCol="0" anchor="ctr"/>
+            <a:lstStyle/>
+            <a:p>
+              <a:pPr algn="ctr"/>
+              <a:endParaRPr kumimoji="1" lang="ja-JP" altLang="en-US" sz="1200"/>
+            </a:p>
+          </p:txBody>
+        </p:sp>
+        <p:cxnSp>
+          <p:nvCxnSpPr>
+            <p:cNvPr id="142" name="直線コネクタ 141"/>
+            <p:cNvCxnSpPr/>
+            <p:nvPr/>
+          </p:nvCxnSpPr>
+          <p:spPr>
+            <a:xfrm flipH="1">
+              <a:off x="719960" y="1197867"/>
+              <a:ext cx="48482" cy="174750"/>
+            </a:xfrm>
+            <a:prstGeom prst="line">
+              <a:avLst/>
+            </a:prstGeom>
+            <a:solidFill>
+              <a:srgbClr val="FFCCCC"/>
+            </a:solidFill>
+            <a:ln w="3175">
+              <a:solidFill>
+                <a:srgbClr val="000000"/>
+              </a:solidFill>
+            </a:ln>
+          </p:spPr>
+          <p:style>
+            <a:lnRef idx="1">
+              <a:schemeClr val="accent1"/>
+            </a:lnRef>
+            <a:fillRef idx="0">
+              <a:schemeClr val="accent1"/>
+            </a:fillRef>
+            <a:effectRef idx="0">
+              <a:schemeClr val="accent1"/>
+            </a:effectRef>
+            <a:fontRef idx="minor">
+              <a:schemeClr val="tx1"/>
+            </a:fontRef>
+          </p:style>
+        </p:cxnSp>
+        <p:cxnSp>
+          <p:nvCxnSpPr>
+            <p:cNvPr id="143" name="直線コネクタ 142"/>
+            <p:cNvCxnSpPr/>
+            <p:nvPr/>
+          </p:nvCxnSpPr>
+          <p:spPr>
+            <a:xfrm flipH="1">
+              <a:off x="719961" y="1372226"/>
+              <a:ext cx="111611" cy="391"/>
+            </a:xfrm>
+            <a:prstGeom prst="line">
+              <a:avLst/>
+            </a:prstGeom>
+            <a:solidFill>
+              <a:srgbClr val="FFCCCC"/>
+            </a:solidFill>
+            <a:ln w="3175">
+              <a:solidFill>
+                <a:srgbClr val="000000"/>
+              </a:solidFill>
+            </a:ln>
+          </p:spPr>
+          <p:style>
+            <a:lnRef idx="1">
+              <a:schemeClr val="accent1"/>
+            </a:lnRef>
+            <a:fillRef idx="0">
+              <a:schemeClr val="accent1"/>
+            </a:fillRef>
+            <a:effectRef idx="0">
+              <a:schemeClr val="accent1"/>
+            </a:effectRef>
+            <a:fontRef idx="minor">
+              <a:schemeClr val="tx1"/>
+            </a:fontRef>
+          </p:style>
+        </p:cxnSp>
+        <p:cxnSp>
+          <p:nvCxnSpPr>
+            <p:cNvPr id="144" name="直線コネクタ 143"/>
+            <p:cNvCxnSpPr>
+              <a:stCxn id="141" idx="4"/>
+            </p:cNvCxnSpPr>
+            <p:nvPr/>
+          </p:nvCxnSpPr>
+          <p:spPr>
+            <a:xfrm>
+              <a:off x="768442" y="1197867"/>
+              <a:ext cx="63130" cy="174359"/>
+            </a:xfrm>
+            <a:prstGeom prst="line">
+              <a:avLst/>
+            </a:prstGeom>
+            <a:solidFill>
+              <a:srgbClr val="FFCCCC"/>
+            </a:solidFill>
+            <a:ln w="3175">
+              <a:solidFill>
+                <a:srgbClr val="000000"/>
+              </a:solidFill>
+            </a:ln>
+          </p:spPr>
+          <p:style>
+            <a:lnRef idx="1">
+              <a:schemeClr val="accent1"/>
+            </a:lnRef>
+            <a:fillRef idx="0">
+              <a:schemeClr val="accent1"/>
+            </a:fillRef>
+            <a:effectRef idx="0">
+              <a:schemeClr val="accent1"/>
+            </a:effectRef>
+            <a:fontRef idx="minor">
+              <a:schemeClr val="tx1"/>
+            </a:fontRef>
+          </p:style>
+        </p:cxnSp>
+      </p:grpSp>
+      <p:grpSp>
+        <p:nvGrpSpPr>
+          <p:cNvPr id="145" name="グループ化 144"/>
+          <p:cNvGrpSpPr/>
+          <p:nvPr/>
+        </p:nvGrpSpPr>
+        <p:grpSpPr>
+          <a:xfrm>
+            <a:off x="2718048" y="1413892"/>
+            <a:ext cx="133235" cy="318765"/>
+            <a:chOff x="701824" y="1053852"/>
+            <a:chExt cx="133235" cy="318765"/>
+          </a:xfrm>
+        </p:grpSpPr>
+        <p:sp>
+          <p:nvSpPr>
+            <p:cNvPr id="146" name="円/楕円 145"/>
+            <p:cNvSpPr/>
+            <p:nvPr/>
+          </p:nvSpPr>
+          <p:spPr>
+            <a:xfrm>
+              <a:off x="701824" y="1053852"/>
+              <a:ext cx="133235" cy="144015"/>
+            </a:xfrm>
+            <a:prstGeom prst="ellipse">
+              <a:avLst/>
+            </a:prstGeom>
+            <a:solidFill>
+              <a:schemeClr val="tx1">
+                <a:alpha val="34000"/>
+              </a:schemeClr>
+            </a:solidFill>
+            <a:ln w="3175">
+              <a:solidFill>
+                <a:srgbClr val="000000"/>
+              </a:solidFill>
+            </a:ln>
+          </p:spPr>
+          <p:style>
+            <a:lnRef idx="2">
+              <a:schemeClr val="accent1">
+                <a:shade val="50000"/>
+              </a:schemeClr>
+            </a:lnRef>
+            <a:fillRef idx="1">
+              <a:schemeClr val="accent1"/>
+            </a:fillRef>
+            <a:effectRef idx="0">
+              <a:schemeClr val="accent1"/>
+            </a:effectRef>
+            <a:fontRef idx="minor">
+              <a:schemeClr val="lt1"/>
+            </a:fontRef>
+          </p:style>
+          <p:txBody>
+            <a:bodyPr rtlCol="0" anchor="ctr"/>
+            <a:lstStyle/>
+            <a:p>
+              <a:pPr algn="ctr"/>
+              <a:endParaRPr kumimoji="1" lang="ja-JP" altLang="en-US" sz="1200"/>
+            </a:p>
+          </p:txBody>
+        </p:sp>
+        <p:cxnSp>
+          <p:nvCxnSpPr>
+            <p:cNvPr id="147" name="直線コネクタ 146"/>
+            <p:cNvCxnSpPr/>
+            <p:nvPr/>
+          </p:nvCxnSpPr>
+          <p:spPr>
+            <a:xfrm flipH="1">
+              <a:off x="719960" y="1197867"/>
+              <a:ext cx="48482" cy="174750"/>
+            </a:xfrm>
+            <a:prstGeom prst="line">
+              <a:avLst/>
+            </a:prstGeom>
+            <a:solidFill>
+              <a:srgbClr val="FFCCCC"/>
+            </a:solidFill>
+            <a:ln w="3175">
+              <a:solidFill>
+                <a:srgbClr val="000000"/>
+              </a:solidFill>
+            </a:ln>
+          </p:spPr>
+          <p:style>
+            <a:lnRef idx="1">
+              <a:schemeClr val="accent1"/>
+            </a:lnRef>
+            <a:fillRef idx="0">
+              <a:schemeClr val="accent1"/>
+            </a:fillRef>
+            <a:effectRef idx="0">
+              <a:schemeClr val="accent1"/>
+            </a:effectRef>
+            <a:fontRef idx="minor">
+              <a:schemeClr val="tx1"/>
+            </a:fontRef>
+          </p:style>
+        </p:cxnSp>
+        <p:cxnSp>
+          <p:nvCxnSpPr>
+            <p:cNvPr id="148" name="直線コネクタ 147"/>
+            <p:cNvCxnSpPr/>
+            <p:nvPr/>
+          </p:nvCxnSpPr>
+          <p:spPr>
+            <a:xfrm flipH="1">
+              <a:off x="719961" y="1372226"/>
+              <a:ext cx="111611" cy="391"/>
+            </a:xfrm>
+            <a:prstGeom prst="line">
+              <a:avLst/>
+            </a:prstGeom>
+            <a:solidFill>
+              <a:srgbClr val="FFCCCC"/>
+            </a:solidFill>
+            <a:ln w="3175">
+              <a:solidFill>
+                <a:srgbClr val="000000"/>
+              </a:solidFill>
+            </a:ln>
+          </p:spPr>
+          <p:style>
+            <a:lnRef idx="1">
+              <a:schemeClr val="accent1"/>
+            </a:lnRef>
+            <a:fillRef idx="0">
+              <a:schemeClr val="accent1"/>
+            </a:fillRef>
+            <a:effectRef idx="0">
+              <a:schemeClr val="accent1"/>
+            </a:effectRef>
+            <a:fontRef idx="minor">
+              <a:schemeClr val="tx1"/>
+            </a:fontRef>
+          </p:style>
+        </p:cxnSp>
+        <p:cxnSp>
+          <p:nvCxnSpPr>
+            <p:cNvPr id="149" name="直線コネクタ 148"/>
+            <p:cNvCxnSpPr>
+              <a:stCxn id="146" idx="4"/>
+            </p:cNvCxnSpPr>
+            <p:nvPr/>
+          </p:nvCxnSpPr>
+          <p:spPr>
+            <a:xfrm>
+              <a:off x="768442" y="1197867"/>
+              <a:ext cx="63130" cy="174359"/>
+            </a:xfrm>
+            <a:prstGeom prst="line">
+              <a:avLst/>
+            </a:prstGeom>
+            <a:solidFill>
+              <a:srgbClr val="FFCCCC"/>
+            </a:solidFill>
+            <a:ln w="3175">
+              <a:solidFill>
+                <a:srgbClr val="000000"/>
+              </a:solidFill>
+            </a:ln>
+          </p:spPr>
+          <p:style>
+            <a:lnRef idx="1">
+              <a:schemeClr val="accent1"/>
+            </a:lnRef>
+            <a:fillRef idx="0">
+              <a:schemeClr val="accent1"/>
+            </a:fillRef>
+            <a:effectRef idx="0">
+              <a:schemeClr val="accent1"/>
+            </a:effectRef>
+            <a:fontRef idx="minor">
+              <a:schemeClr val="tx1"/>
+            </a:fontRef>
+          </p:style>
+        </p:cxnSp>
+      </p:grpSp>
+      <p:grpSp>
+        <p:nvGrpSpPr>
+          <p:cNvPr id="150" name="グループ化 149"/>
+          <p:cNvGrpSpPr/>
+          <p:nvPr/>
+        </p:nvGrpSpPr>
+        <p:grpSpPr>
+          <a:xfrm>
+            <a:off x="3726160" y="1239143"/>
+            <a:ext cx="133235" cy="318765"/>
+            <a:chOff x="701824" y="1053852"/>
+            <a:chExt cx="133235" cy="318765"/>
+          </a:xfrm>
+        </p:grpSpPr>
+        <p:sp>
+          <p:nvSpPr>
+            <p:cNvPr id="151" name="円/楕円 150"/>
+            <p:cNvSpPr/>
+            <p:nvPr/>
+          </p:nvSpPr>
+          <p:spPr>
+            <a:xfrm>
+              <a:off x="701824" y="1053852"/>
+              <a:ext cx="133235" cy="144015"/>
+            </a:xfrm>
+            <a:prstGeom prst="ellipse">
+              <a:avLst/>
+            </a:prstGeom>
+            <a:solidFill>
+              <a:schemeClr val="tx1">
+                <a:alpha val="34000"/>
+              </a:schemeClr>
+            </a:solidFill>
+            <a:ln w="3175">
+              <a:solidFill>
+                <a:srgbClr val="000000"/>
+              </a:solidFill>
+            </a:ln>
+          </p:spPr>
+          <p:style>
+            <a:lnRef idx="2">
+              <a:schemeClr val="accent1">
+                <a:shade val="50000"/>
+              </a:schemeClr>
+            </a:lnRef>
+            <a:fillRef idx="1">
+              <a:schemeClr val="accent1"/>
+            </a:fillRef>
+            <a:effectRef idx="0">
+              <a:schemeClr val="accent1"/>
+            </a:effectRef>
+            <a:fontRef idx="minor">
+              <a:schemeClr val="lt1"/>
+            </a:fontRef>
+          </p:style>
+          <p:txBody>
+            <a:bodyPr rtlCol="0" anchor="ctr"/>
+            <a:lstStyle/>
+            <a:p>
+              <a:pPr algn="ctr"/>
+              <a:endParaRPr kumimoji="1" lang="ja-JP" altLang="en-US" sz="1200"/>
+            </a:p>
+          </p:txBody>
+        </p:sp>
+        <p:cxnSp>
+          <p:nvCxnSpPr>
+            <p:cNvPr id="152" name="直線コネクタ 151"/>
+            <p:cNvCxnSpPr/>
+            <p:nvPr/>
+          </p:nvCxnSpPr>
+          <p:spPr>
+            <a:xfrm flipH="1">
+              <a:off x="719960" y="1197867"/>
+              <a:ext cx="48482" cy="174750"/>
+            </a:xfrm>
+            <a:prstGeom prst="line">
+              <a:avLst/>
+            </a:prstGeom>
+            <a:solidFill>
+              <a:srgbClr val="FFCCCC"/>
+            </a:solidFill>
+            <a:ln w="3175">
+              <a:solidFill>
+                <a:srgbClr val="000000"/>
+              </a:solidFill>
+            </a:ln>
+          </p:spPr>
+          <p:style>
+            <a:lnRef idx="1">
+              <a:schemeClr val="accent1"/>
+            </a:lnRef>
+            <a:fillRef idx="0">
+              <a:schemeClr val="accent1"/>
+            </a:fillRef>
+            <a:effectRef idx="0">
+              <a:schemeClr val="accent1"/>
+            </a:effectRef>
+            <a:fontRef idx="minor">
+              <a:schemeClr val="tx1"/>
+            </a:fontRef>
+          </p:style>
+        </p:cxnSp>
+        <p:cxnSp>
+          <p:nvCxnSpPr>
+            <p:cNvPr id="153" name="直線コネクタ 152"/>
+            <p:cNvCxnSpPr/>
+            <p:nvPr/>
+          </p:nvCxnSpPr>
+          <p:spPr>
+            <a:xfrm flipH="1">
+              <a:off x="719961" y="1372226"/>
+              <a:ext cx="111611" cy="391"/>
+            </a:xfrm>
+            <a:prstGeom prst="line">
+              <a:avLst/>
+            </a:prstGeom>
+            <a:solidFill>
+              <a:srgbClr val="FFCCCC"/>
+            </a:solidFill>
+            <a:ln w="3175">
+              <a:solidFill>
+                <a:srgbClr val="000000"/>
+              </a:solidFill>
+            </a:ln>
+          </p:spPr>
+          <p:style>
+            <a:lnRef idx="1">
+              <a:schemeClr val="accent1"/>
+            </a:lnRef>
+            <a:fillRef idx="0">
+              <a:schemeClr val="accent1"/>
+            </a:fillRef>
+            <a:effectRef idx="0">
+              <a:schemeClr val="accent1"/>
+            </a:effectRef>
+            <a:fontRef idx="minor">
+              <a:schemeClr val="tx1"/>
+            </a:fontRef>
+          </p:style>
+        </p:cxnSp>
+        <p:cxnSp>
+          <p:nvCxnSpPr>
+            <p:cNvPr id="154" name="直線コネクタ 153"/>
+            <p:cNvCxnSpPr>
+              <a:stCxn id="151" idx="4"/>
+            </p:cNvCxnSpPr>
+            <p:nvPr/>
+          </p:nvCxnSpPr>
+          <p:spPr>
+            <a:xfrm>
+              <a:off x="768442" y="1197867"/>
+              <a:ext cx="63130" cy="174359"/>
+            </a:xfrm>
+            <a:prstGeom prst="line">
+              <a:avLst/>
+            </a:prstGeom>
+            <a:solidFill>
+              <a:srgbClr val="FFCCCC"/>
+            </a:solidFill>
+            <a:ln w="3175">
+              <a:solidFill>
+                <a:srgbClr val="000000"/>
+              </a:solidFill>
+            </a:ln>
+          </p:spPr>
+          <p:style>
+            <a:lnRef idx="1">
+              <a:schemeClr val="accent1"/>
+            </a:lnRef>
+            <a:fillRef idx="0">
+              <a:schemeClr val="accent1"/>
+            </a:fillRef>
+            <a:effectRef idx="0">
+              <a:schemeClr val="accent1"/>
+            </a:effectRef>
+            <a:fontRef idx="minor">
+              <a:schemeClr val="tx1"/>
+            </a:fontRef>
+          </p:style>
+        </p:cxnSp>
+      </p:grpSp>
     </p:spTree>
     <p:extLst>
       <p:ext uri="{BB962C8B-B14F-4D97-AF65-F5344CB8AC3E}">
